--- a/Lesson 1/Lesson1.1.pptx
+++ b/Lesson 1/Lesson1.1.pptx
@@ -6,7 +6,7 @@
     <p:sldMasterId id="2147483661" r:id="rId2"/>
   </p:sldMasterIdLst>
   <p:notesMasterIdLst>
-    <p:notesMasterId r:id="rId63"/>
+    <p:notesMasterId r:id="rId62"/>
   </p:notesMasterIdLst>
   <p:sldIdLst>
     <p:sldId id="256" r:id="rId3"/>
@@ -67,41 +67,40 @@
     <p:sldId id="383" r:id="rId58"/>
     <p:sldId id="377" r:id="rId59"/>
     <p:sldId id="386" r:id="rId60"/>
-    <p:sldId id="385" r:id="rId61"/>
-    <p:sldId id="278" r:id="rId62"/>
+    <p:sldId id="278" r:id="rId61"/>
   </p:sldIdLst>
   <p:sldSz cx="9144000" cy="5143500" type="screen16x9"/>
   <p:notesSz cx="6858000" cy="9144000"/>
   <p:embeddedFontLst>
     <p:embeddedFont>
-      <p:font typeface="Arial Narrow" panose="020B0606020202030204" pitchFamily="34" charset="0"/>
-      <p:regular r:id="rId64"/>
-      <p:bold r:id="rId65"/>
-      <p:italic r:id="rId66"/>
-      <p:boldItalic r:id="rId67"/>
+      <p:font typeface="Barlow" panose="020B0604020202020204" charset="0"/>
+      <p:regular r:id="rId63"/>
+      <p:bold r:id="rId64"/>
+      <p:italic r:id="rId65"/>
+      <p:boldItalic r:id="rId66"/>
     </p:embeddedFont>
     <p:embeddedFont>
-      <p:font typeface="Barlow" panose="020B0604020202020204" charset="0"/>
-      <p:regular r:id="rId68"/>
-      <p:bold r:id="rId69"/>
-      <p:italic r:id="rId70"/>
-      <p:boldItalic r:id="rId71"/>
+      <p:font typeface="Aharoni" panose="020B0604020202020204" charset="-79"/>
+      <p:bold r:id="rId67"/>
     </p:embeddedFont>
     <p:embeddedFont>
       <p:font typeface="Calibri Light" panose="020F0302020204030204" pitchFamily="34" charset="0"/>
-      <p:regular r:id="rId72"/>
-      <p:italic r:id="rId73"/>
-    </p:embeddedFont>
-    <p:embeddedFont>
-      <p:font typeface="Aharoni" panose="020B0604020202020204" charset="-79"/>
-      <p:bold r:id="rId74"/>
+      <p:regular r:id="rId68"/>
+      <p:italic r:id="rId69"/>
     </p:embeddedFont>
     <p:embeddedFont>
       <p:font typeface="Calibri" panose="020F0502020204030204" pitchFamily="34" charset="0"/>
-      <p:regular r:id="rId75"/>
-      <p:bold r:id="rId76"/>
-      <p:italic r:id="rId77"/>
-      <p:boldItalic r:id="rId78"/>
+      <p:regular r:id="rId70"/>
+      <p:bold r:id="rId71"/>
+      <p:italic r:id="rId72"/>
+      <p:boldItalic r:id="rId73"/>
+    </p:embeddedFont>
+    <p:embeddedFont>
+      <p:font typeface="Arial Narrow" panose="020B0606020202030204" pitchFamily="34" charset="0"/>
+      <p:regular r:id="rId74"/>
+      <p:bold r:id="rId75"/>
+      <p:italic r:id="rId76"/>
+      <p:boldItalic r:id="rId77"/>
     </p:embeddedFont>
   </p:embeddedFontLst>
   <p:defaultTextStyle>
@@ -2378,7 +2377,7 @@
           <a:p>
             <a:fld id="{F682201F-E3E3-49DF-9A60-E18E9751DAF9}" type="datetimeFigureOut">
               <a:rPr lang="en-US" smtClean="0"/>
-              <a:t>9/17/2018</a:t>
+              <a:t>9/29/2018</a:t>
             </a:fld>
             <a:endParaRPr lang="en-US"/>
           </a:p>
@@ -2610,7 +2609,7 @@
           <a:p>
             <a:fld id="{F682201F-E3E3-49DF-9A60-E18E9751DAF9}" type="datetimeFigureOut">
               <a:rPr lang="en-US" smtClean="0"/>
-              <a:t>9/17/2018</a:t>
+              <a:t>9/29/2018</a:t>
             </a:fld>
             <a:endParaRPr lang="en-US"/>
           </a:p>
@@ -2977,7 +2976,7 @@
           <a:p>
             <a:fld id="{F682201F-E3E3-49DF-9A60-E18E9751DAF9}" type="datetimeFigureOut">
               <a:rPr lang="en-US" smtClean="0"/>
-              <a:t>9/17/2018</a:t>
+              <a:t>9/29/2018</a:t>
             </a:fld>
             <a:endParaRPr lang="en-US"/>
           </a:p>
@@ -3095,7 +3094,7 @@
           <a:p>
             <a:fld id="{F682201F-E3E3-49DF-9A60-E18E9751DAF9}" type="datetimeFigureOut">
               <a:rPr lang="en-US" smtClean="0"/>
-              <a:t>9/17/2018</a:t>
+              <a:t>9/29/2018</a:t>
             </a:fld>
             <a:endParaRPr lang="en-US"/>
           </a:p>
@@ -3190,7 +3189,7 @@
           <a:p>
             <a:fld id="{F682201F-E3E3-49DF-9A60-E18E9751DAF9}" type="datetimeFigureOut">
               <a:rPr lang="en-US" smtClean="0"/>
-              <a:t>9/17/2018</a:t>
+              <a:t>9/29/2018</a:t>
             </a:fld>
             <a:endParaRPr lang="en-US"/>
           </a:p>
@@ -3467,7 +3466,7 @@
           <a:p>
             <a:fld id="{F682201F-E3E3-49DF-9A60-E18E9751DAF9}" type="datetimeFigureOut">
               <a:rPr lang="en-US" smtClean="0"/>
-              <a:t>9/17/2018</a:t>
+              <a:t>9/29/2018</a:t>
             </a:fld>
             <a:endParaRPr lang="en-US"/>
           </a:p>
@@ -3720,7 +3719,7 @@
           <a:p>
             <a:fld id="{F682201F-E3E3-49DF-9A60-E18E9751DAF9}" type="datetimeFigureOut">
               <a:rPr lang="en-US" smtClean="0"/>
-              <a:t>9/17/2018</a:t>
+              <a:t>9/29/2018</a:t>
             </a:fld>
             <a:endParaRPr lang="en-US"/>
           </a:p>
@@ -3890,7 +3889,7 @@
           <a:p>
             <a:fld id="{F682201F-E3E3-49DF-9A60-E18E9751DAF9}" type="datetimeFigureOut">
               <a:rPr lang="en-US" smtClean="0"/>
-              <a:t>9/17/2018</a:t>
+              <a:t>9/29/2018</a:t>
             </a:fld>
             <a:endParaRPr lang="en-US"/>
           </a:p>
@@ -4070,7 +4069,7 @@
           <a:p>
             <a:fld id="{F682201F-E3E3-49DF-9A60-E18E9751DAF9}" type="datetimeFigureOut">
               <a:rPr lang="en-US" smtClean="0"/>
-              <a:t>9/17/2018</a:t>
+              <a:t>9/29/2018</a:t>
             </a:fld>
             <a:endParaRPr lang="en-US"/>
           </a:p>
@@ -6891,7 +6890,7 @@
           <a:p>
             <a:fld id="{F682201F-E3E3-49DF-9A60-E18E9751DAF9}" type="datetimeFigureOut">
               <a:rPr lang="en-US" smtClean="0"/>
-              <a:t>9/17/2018</a:t>
+              <a:t>9/29/2018</a:t>
             </a:fld>
             <a:endParaRPr lang="en-US"/>
           </a:p>
@@ -7061,7 +7060,7 @@
           <a:p>
             <a:fld id="{F682201F-E3E3-49DF-9A60-E18E9751DAF9}" type="datetimeFigureOut">
               <a:rPr lang="en-US" smtClean="0"/>
-              <a:t>9/17/2018</a:t>
+              <a:t>9/29/2018</a:t>
             </a:fld>
             <a:endParaRPr lang="en-US"/>
           </a:p>
@@ -8645,7 +8644,7 @@
           <a:p>
             <a:fld id="{F682201F-E3E3-49DF-9A60-E18E9751DAF9}" type="datetimeFigureOut">
               <a:rPr lang="en-US" smtClean="0"/>
-              <a:t>9/17/2018</a:t>
+              <a:t>9/29/2018</a:t>
             </a:fld>
             <a:endParaRPr lang="en-US"/>
           </a:p>
@@ -14101,25 +14100,6 @@
       </p:grpSpPr>
       <p:sp>
         <p:nvSpPr>
-          <p:cNvPr id="2" name="Title 1"/>
-          <p:cNvSpPr>
-            <a:spLocks noGrp="1"/>
-          </p:cNvSpPr>
-          <p:nvPr>
-            <p:ph type="title"/>
-          </p:nvPr>
-        </p:nvSpPr>
-        <p:spPr/>
-        <p:txBody>
-          <a:bodyPr/>
-          <a:lstStyle/>
-          <a:p>
-            <a:endParaRPr lang="en-US"/>
-          </a:p>
-        </p:txBody>
-      </p:sp>
-      <p:sp>
-        <p:nvSpPr>
           <p:cNvPr id="6" name="Slide Number Placeholder 5"/>
           <p:cNvSpPr>
             <a:spLocks noGrp="1"/>
@@ -14206,25 +14186,6 @@
           <a:chExt cx="0" cy="0"/>
         </a:xfrm>
       </p:grpSpPr>
-      <p:sp>
-        <p:nvSpPr>
-          <p:cNvPr id="2" name="Title 1"/>
-          <p:cNvSpPr>
-            <a:spLocks noGrp="1"/>
-          </p:cNvSpPr>
-          <p:nvPr>
-            <p:ph type="title"/>
-          </p:nvPr>
-        </p:nvSpPr>
-        <p:spPr/>
-        <p:txBody>
-          <a:bodyPr/>
-          <a:lstStyle/>
-          <a:p>
-            <a:endParaRPr lang="en-US"/>
-          </a:p>
-        </p:txBody>
-      </p:sp>
       <p:sp>
         <p:nvSpPr>
           <p:cNvPr id="3" name="Text Placeholder 2"/>
@@ -14558,7 +14519,7 @@
             <a:endParaRPr b="1" dirty="0"/>
           </a:p>
           <a:p>
-            <a:pPr marL="0" lvl="0" indent="0" rtl="0">
+            <a:pPr marL="0" lvl="0" indent="0">
               <a:spcBef>
                 <a:spcPts val="600"/>
               </a:spcBef>
@@ -14574,28 +14535,11 @@
             </a:pPr>
             <a:r>
               <a:rPr lang="en" dirty="0" smtClean="0"/>
-              <a:t>I am here because I love to give presentations. </a:t>
-            </a:r>
-            <a:endParaRPr dirty="0" smtClean="0"/>
-          </a:p>
-          <a:p>
-            <a:pPr marL="0" lvl="0" indent="0">
-              <a:spcBef>
-                <a:spcPts val="600"/>
-              </a:spcBef>
-              <a:spcAft>
-                <a:spcPts val="0"/>
-              </a:spcAft>
-              <a:buClr>
-                <a:schemeClr val="dk1"/>
-              </a:buClr>
-              <a:buSzPts val="1100"/>
-              <a:buFont typeface="Arial"/>
-              <a:buNone/>
-            </a:pPr>
+              <a:t>You </a:t>
+            </a:r>
             <a:r>
               <a:rPr lang="en" dirty="0" smtClean="0"/>
-              <a:t>You can find me at sajid@eveati.com</a:t>
+              <a:t>can find me at sajid@eveati.com</a:t>
             </a:r>
             <a:endParaRPr b="1" dirty="0"/>
           </a:p>
@@ -14677,25 +14621,6 @@
       </p:grpSpPr>
       <p:sp>
         <p:nvSpPr>
-          <p:cNvPr id="2" name="Title 1"/>
-          <p:cNvSpPr>
-            <a:spLocks noGrp="1"/>
-          </p:cNvSpPr>
-          <p:nvPr>
-            <p:ph type="title"/>
-          </p:nvPr>
-        </p:nvSpPr>
-        <p:spPr/>
-        <p:txBody>
-          <a:bodyPr/>
-          <a:lstStyle/>
-          <a:p>
-            <a:endParaRPr lang="en-US" dirty="0"/>
-          </a:p>
-        </p:txBody>
-      </p:sp>
-      <p:sp>
-        <p:nvSpPr>
           <p:cNvPr id="6" name="Slide Number Placeholder 5"/>
           <p:cNvSpPr>
             <a:spLocks noGrp="1"/>
@@ -14744,7 +14669,7 @@
         </p:blipFill>
         <p:spPr>
           <a:xfrm>
-            <a:off x="1757555" y="1293436"/>
+            <a:off x="1757555" y="1316586"/>
             <a:ext cx="6453512" cy="3259589"/>
           </a:xfrm>
           <a:prstGeom prst="rect">
@@ -16892,25 +16817,6 @@
           </a:p>
         </p:txBody>
       </p:sp>
-      <p:sp>
-        <p:nvSpPr>
-          <p:cNvPr id="3" name="Subtitle 2"/>
-          <p:cNvSpPr>
-            <a:spLocks noGrp="1"/>
-          </p:cNvSpPr>
-          <p:nvPr>
-            <p:ph type="subTitle" idx="1"/>
-          </p:nvPr>
-        </p:nvSpPr>
-        <p:spPr/>
-        <p:txBody>
-          <a:bodyPr/>
-          <a:lstStyle/>
-          <a:p>
-            <a:endParaRPr lang="en-US"/>
-          </a:p>
-        </p:txBody>
-      </p:sp>
     </p:spTree>
     <p:extLst>
       <p:ext uri="{BB962C8B-B14F-4D97-AF65-F5344CB8AC3E}">
@@ -18496,43 +18402,28 @@
             <p:ph type="title"/>
           </p:nvPr>
         </p:nvSpPr>
-        <p:spPr/>
-        <p:txBody>
-          <a:bodyPr/>
-          <a:lstStyle/>
-          <a:p>
-            <a:r>
-              <a:rPr lang="en-US" dirty="0" smtClean="0"/>
-              <a:t>Affect of degree</a:t>
-            </a:r>
-            <a:endParaRPr lang="en-US" dirty="0"/>
-          </a:p>
-        </p:txBody>
-      </p:sp>
-      <p:pic>
-        <p:nvPicPr>
-          <p:cNvPr id="5" name="Picture 4"/>
-          <p:cNvPicPr>
-            <a:picLocks noChangeAspect="1"/>
-          </p:cNvPicPr>
-          <p:nvPr/>
-        </p:nvPicPr>
-        <p:blipFill>
-          <a:blip r:embed="rId2"/>
-          <a:stretch>
-            <a:fillRect/>
-          </a:stretch>
-        </p:blipFill>
         <p:spPr>
           <a:xfrm>
-            <a:off x="68332" y="1686521"/>
-            <a:ext cx="3600450" cy="2628900"/>
+            <a:off x="987465" y="1963747"/>
+            <a:ext cx="7886700" cy="994172"/>
           </a:xfrm>
-          <a:prstGeom prst="rect">
-            <a:avLst/>
-          </a:prstGeom>
         </p:spPr>
-      </p:pic>
+        <p:txBody>
+          <a:bodyPr/>
+          <a:lstStyle/>
+          <a:p>
+            <a:r>
+              <a:rPr lang="en-US" dirty="0" smtClean="0"/>
+              <a:t>Affect of </a:t>
+            </a:r>
+            <a:r>
+              <a:rPr lang="en-US" dirty="0" smtClean="0"/>
+              <a:t>degree?</a:t>
+            </a:r>
+            <a:endParaRPr lang="en-US" dirty="0"/>
+          </a:p>
+        </p:txBody>
+      </p:sp>
     </p:spTree>
     <p:extLst>
       <p:ext uri="{BB962C8B-B14F-4D97-AF65-F5344CB8AC3E}">
@@ -18602,9 +18493,22 @@
 <file path=ppt/slides/slide59.xml><?xml version="1.0" encoding="utf-8"?>
 <p:sld xmlns:a="http://schemas.openxmlformats.org/drawingml/2006/main" xmlns:r="http://schemas.openxmlformats.org/officeDocument/2006/relationships" xmlns:p="http://schemas.openxmlformats.org/presentationml/2006/main">
   <p:cSld>
+    <p:bg>
+      <p:bgPr>
+        <a:blipFill>
+          <a:blip r:embed="rId3">
+            <a:alphaModFix/>
+          </a:blip>
+          <a:stretch>
+            <a:fillRect/>
+          </a:stretch>
+        </a:blipFill>
+        <a:effectLst/>
+      </p:bgPr>
+    </p:bg>
     <p:spTree>
       <p:nvGrpSpPr>
-        <p:cNvPr id="1" name=""/>
+        <p:cNvPr id="1" name="Shape 363"/>
         <p:cNvGrpSpPr/>
         <p:nvPr/>
       </p:nvGrpSpPr>
@@ -18618,52 +18522,217 @@
       </p:grpSpPr>
       <p:sp>
         <p:nvSpPr>
-          <p:cNvPr id="2" name="Title 1"/>
-          <p:cNvSpPr>
+          <p:cNvPr id="364" name="Google Shape;364;p36"/>
+          <p:cNvSpPr txBox="1">
             <a:spLocks noGrp="1"/>
           </p:cNvSpPr>
           <p:nvPr>
-            <p:ph type="title"/>
-          </p:nvPr>
-        </p:nvSpPr>
-        <p:spPr/>
-        <p:txBody>
-          <a:bodyPr/>
-          <a:lstStyle/>
-          <a:p>
-            <a:endParaRPr lang="en-US"/>
-          </a:p>
-        </p:txBody>
-      </p:sp>
-      <p:sp>
-        <p:nvSpPr>
-          <p:cNvPr id="3" name="Content Placeholder 2"/>
-          <p:cNvSpPr>
+            <p:ph type="sldNum" idx="12"/>
+          </p:nvPr>
+        </p:nvSpPr>
+        <p:spPr>
+          <a:xfrm>
+            <a:off x="8750400" y="4356225"/>
+            <a:ext cx="393600" cy="393600"/>
+          </a:xfrm>
+          <a:prstGeom prst="rect">
+            <a:avLst/>
+          </a:prstGeom>
+        </p:spPr>
+        <p:txBody>
+          <a:bodyPr spcFirstLastPara="1" wrap="square" lIns="91425" tIns="91425" rIns="91425" bIns="91425" anchor="ctr" anchorCtr="0">
+            <a:noAutofit/>
+          </a:bodyPr>
+          <a:lstStyle/>
+          <a:p>
+            <a:pPr marL="0" lvl="0" indent="0">
+              <a:spcBef>
+                <a:spcPts val="0"/>
+              </a:spcBef>
+              <a:spcAft>
+                <a:spcPts val="0"/>
+              </a:spcAft>
+              <a:buNone/>
+            </a:pPr>
+            <a:fld id="{00000000-1234-1234-1234-123412341234}" type="slidenum">
+              <a:rPr lang="en"/>
+              <a:t>59</a:t>
+            </a:fld>
+            <a:endParaRPr/>
+          </a:p>
+        </p:txBody>
+      </p:sp>
+      <p:sp>
+        <p:nvSpPr>
+          <p:cNvPr id="365" name="Google Shape;365;p36"/>
+          <p:cNvSpPr txBox="1">
             <a:spLocks noGrp="1"/>
           </p:cNvSpPr>
           <p:nvPr>
-            <p:ph idx="1"/>
-          </p:nvPr>
-        </p:nvSpPr>
-        <p:spPr/>
-        <p:txBody>
-          <a:bodyPr/>
-          <a:lstStyle/>
-          <a:p>
-            <a:endParaRPr lang="en-US"/>
+            <p:ph type="ctrTitle" idx="4294967295"/>
+          </p:nvPr>
+        </p:nvSpPr>
+        <p:spPr>
+          <a:xfrm>
+            <a:off x="1504677" y="569850"/>
+            <a:ext cx="7245600" cy="1159800"/>
+          </a:xfrm>
+          <a:prstGeom prst="rect">
+            <a:avLst/>
+          </a:prstGeom>
+        </p:spPr>
+        <p:txBody>
+          <a:bodyPr spcFirstLastPara="1" wrap="square" lIns="91425" tIns="91425" rIns="91425" bIns="91425" anchor="ctr" anchorCtr="0">
+            <a:noAutofit/>
+          </a:bodyPr>
+          <a:lstStyle/>
+          <a:p>
+            <a:pPr marL="0" lvl="0" indent="0" rtl="0">
+              <a:spcBef>
+                <a:spcPts val="0"/>
+              </a:spcBef>
+              <a:spcAft>
+                <a:spcPts val="0"/>
+              </a:spcAft>
+              <a:buNone/>
+            </a:pPr>
+            <a:r>
+              <a:rPr lang="en" sz="9600">
+                <a:solidFill>
+                  <a:srgbClr val="FFB000"/>
+                </a:solidFill>
+              </a:rPr>
+              <a:t>THANKS!</a:t>
+            </a:r>
+            <a:endParaRPr sz="9600">
+              <a:solidFill>
+                <a:srgbClr val="FFB000"/>
+              </a:solidFill>
+            </a:endParaRPr>
+          </a:p>
+        </p:txBody>
+      </p:sp>
+      <p:sp>
+        <p:nvSpPr>
+          <p:cNvPr id="366" name="Google Shape;366;p36"/>
+          <p:cNvSpPr txBox="1">
+            <a:spLocks noGrp="1"/>
+          </p:cNvSpPr>
+          <p:nvPr>
+            <p:ph type="subTitle" idx="4294967295"/>
+          </p:nvPr>
+        </p:nvSpPr>
+        <p:spPr>
+          <a:xfrm>
+            <a:off x="1557975" y="1777100"/>
+            <a:ext cx="7192200" cy="1974600"/>
+          </a:xfrm>
+          <a:prstGeom prst="rect">
+            <a:avLst/>
+          </a:prstGeom>
+        </p:spPr>
+        <p:txBody>
+          <a:bodyPr spcFirstLastPara="1" wrap="square" lIns="91425" tIns="91425" rIns="91425" bIns="91425" anchor="t" anchorCtr="0">
+            <a:noAutofit/>
+          </a:bodyPr>
+          <a:lstStyle/>
+          <a:p>
+            <a:pPr marL="0" lvl="0" indent="0" rtl="0">
+              <a:spcBef>
+                <a:spcPts val="600"/>
+              </a:spcBef>
+              <a:spcAft>
+                <a:spcPts val="0"/>
+              </a:spcAft>
+              <a:buNone/>
+            </a:pPr>
+            <a:r>
+              <a:rPr lang="en" b="1" dirty="0"/>
+              <a:t>Any questions?</a:t>
+            </a:r>
+            <a:endParaRPr b="1" dirty="0"/>
+          </a:p>
+          <a:p>
+            <a:pPr marL="0" lvl="0" indent="0">
+              <a:spcBef>
+                <a:spcPts val="600"/>
+              </a:spcBef>
+              <a:spcAft>
+                <a:spcPts val="0"/>
+              </a:spcAft>
+              <a:buClr>
+                <a:schemeClr val="dk1"/>
+              </a:buClr>
+              <a:buSzPts val="1100"/>
+              <a:buFont typeface="Arial"/>
+              <a:buNone/>
+            </a:pPr>
+            <a:r>
+              <a:rPr lang="en" dirty="0"/>
+              <a:t>You can find me at:</a:t>
+            </a:r>
+            <a:endParaRPr dirty="0"/>
+          </a:p>
+          <a:p>
+            <a:pPr marL="457200" lvl="0" indent="-393700" rtl="0">
+              <a:spcBef>
+                <a:spcPts val="600"/>
+              </a:spcBef>
+              <a:spcAft>
+                <a:spcPts val="0"/>
+              </a:spcAft>
+              <a:buSzPts val="2600"/>
+              <a:buChar char="▪"/>
+            </a:pPr>
+            <a:r>
+              <a:rPr lang="en-US" dirty="0" smtClean="0">
+                <a:hlinkClick r:id="rId4"/>
+              </a:rPr>
+              <a:t>sajid@eveati.com</a:t>
+            </a:r>
+            <a:r>
+              <a:rPr lang="en-US" dirty="0" smtClean="0"/>
+              <a:t>	</a:t>
+            </a:r>
+            <a:endParaRPr dirty="0"/>
+          </a:p>
+          <a:p>
+            <a:pPr marL="457200" lvl="0" indent="-393700" rtl="0">
+              <a:spcBef>
+                <a:spcPts val="0"/>
+              </a:spcBef>
+              <a:spcAft>
+                <a:spcPts val="0"/>
+              </a:spcAft>
+              <a:buSzPts val="2600"/>
+              <a:buChar char="▪"/>
+            </a:pPr>
+            <a:r>
+              <a:rPr lang="en" dirty="0" smtClean="0">
+                <a:hlinkClick r:id="rId5"/>
+              </a:rPr>
+              <a:t>expertsvision@live.com</a:t>
+            </a:r>
+            <a:r>
+              <a:rPr lang="en" dirty="0" smtClean="0"/>
+              <a:t> </a:t>
+            </a:r>
+            <a:endParaRPr dirty="0"/>
           </a:p>
         </p:txBody>
       </p:sp>
     </p:spTree>
-    <p:extLst>
-      <p:ext uri="{BB962C8B-B14F-4D97-AF65-F5344CB8AC3E}">
-        <p14:creationId xmlns:p14="http://schemas.microsoft.com/office/powerpoint/2010/main" val="2498251293"/>
-      </p:ext>
-    </p:extLst>
   </p:cSld>
   <p:clrMapOvr>
     <a:masterClrMapping/>
   </p:clrMapOvr>
+  <p:timing>
+    <p:tnLst>
+      <p:par>
+        <p:cTn id="1" dur="indefinite" restart="never" nodeType="tmRoot"/>
+      </p:par>
+    </p:tnLst>
+  </p:timing>
 </p:sld>
 </file>
 
@@ -18835,240 +18904,6 @@
         <p14:creationId xmlns:p14="http://schemas.microsoft.com/office/powerpoint/2010/main" val="2914975612"/>
       </p:ext>
     </p:extLst>
-  </p:cSld>
-  <p:clrMapOvr>
-    <a:masterClrMapping/>
-  </p:clrMapOvr>
-  <p:timing>
-    <p:tnLst>
-      <p:par>
-        <p:cTn id="1" dur="indefinite" restart="never" nodeType="tmRoot"/>
-      </p:par>
-    </p:tnLst>
-  </p:timing>
-</p:sld>
-</file>
-
-<file path=ppt/slides/slide60.xml><?xml version="1.0" encoding="utf-8"?>
-<p:sld xmlns:a="http://schemas.openxmlformats.org/drawingml/2006/main" xmlns:r="http://schemas.openxmlformats.org/officeDocument/2006/relationships" xmlns:p="http://schemas.openxmlformats.org/presentationml/2006/main">
-  <p:cSld>
-    <p:bg>
-      <p:bgPr>
-        <a:blipFill>
-          <a:blip r:embed="rId3">
-            <a:alphaModFix/>
-          </a:blip>
-          <a:stretch>
-            <a:fillRect/>
-          </a:stretch>
-        </a:blipFill>
-        <a:effectLst/>
-      </p:bgPr>
-    </p:bg>
-    <p:spTree>
-      <p:nvGrpSpPr>
-        <p:cNvPr id="1" name="Shape 363"/>
-        <p:cNvGrpSpPr/>
-        <p:nvPr/>
-      </p:nvGrpSpPr>
-      <p:grpSpPr>
-        <a:xfrm>
-          <a:off x="0" y="0"/>
-          <a:ext cx="0" cy="0"/>
-          <a:chOff x="0" y="0"/>
-          <a:chExt cx="0" cy="0"/>
-        </a:xfrm>
-      </p:grpSpPr>
-      <p:sp>
-        <p:nvSpPr>
-          <p:cNvPr id="364" name="Google Shape;364;p36"/>
-          <p:cNvSpPr txBox="1">
-            <a:spLocks noGrp="1"/>
-          </p:cNvSpPr>
-          <p:nvPr>
-            <p:ph type="sldNum" idx="12"/>
-          </p:nvPr>
-        </p:nvSpPr>
-        <p:spPr>
-          <a:xfrm>
-            <a:off x="8750400" y="4356225"/>
-            <a:ext cx="393600" cy="393600"/>
-          </a:xfrm>
-          <a:prstGeom prst="rect">
-            <a:avLst/>
-          </a:prstGeom>
-        </p:spPr>
-        <p:txBody>
-          <a:bodyPr spcFirstLastPara="1" wrap="square" lIns="91425" tIns="91425" rIns="91425" bIns="91425" anchor="ctr" anchorCtr="0">
-            <a:noAutofit/>
-          </a:bodyPr>
-          <a:lstStyle/>
-          <a:p>
-            <a:pPr marL="0" lvl="0" indent="0">
-              <a:spcBef>
-                <a:spcPts val="0"/>
-              </a:spcBef>
-              <a:spcAft>
-                <a:spcPts val="0"/>
-              </a:spcAft>
-              <a:buNone/>
-            </a:pPr>
-            <a:fld id="{00000000-1234-1234-1234-123412341234}" type="slidenum">
-              <a:rPr lang="en"/>
-              <a:t>60</a:t>
-            </a:fld>
-            <a:endParaRPr/>
-          </a:p>
-        </p:txBody>
-      </p:sp>
-      <p:sp>
-        <p:nvSpPr>
-          <p:cNvPr id="365" name="Google Shape;365;p36"/>
-          <p:cNvSpPr txBox="1">
-            <a:spLocks noGrp="1"/>
-          </p:cNvSpPr>
-          <p:nvPr>
-            <p:ph type="ctrTitle" idx="4294967295"/>
-          </p:nvPr>
-        </p:nvSpPr>
-        <p:spPr>
-          <a:xfrm>
-            <a:off x="1504677" y="569850"/>
-            <a:ext cx="7245600" cy="1159800"/>
-          </a:xfrm>
-          <a:prstGeom prst="rect">
-            <a:avLst/>
-          </a:prstGeom>
-        </p:spPr>
-        <p:txBody>
-          <a:bodyPr spcFirstLastPara="1" wrap="square" lIns="91425" tIns="91425" rIns="91425" bIns="91425" anchor="ctr" anchorCtr="0">
-            <a:noAutofit/>
-          </a:bodyPr>
-          <a:lstStyle/>
-          <a:p>
-            <a:pPr marL="0" lvl="0" indent="0" rtl="0">
-              <a:spcBef>
-                <a:spcPts val="0"/>
-              </a:spcBef>
-              <a:spcAft>
-                <a:spcPts val="0"/>
-              </a:spcAft>
-              <a:buNone/>
-            </a:pPr>
-            <a:r>
-              <a:rPr lang="en" sz="9600">
-                <a:solidFill>
-                  <a:srgbClr val="FFB000"/>
-                </a:solidFill>
-              </a:rPr>
-              <a:t>THANKS!</a:t>
-            </a:r>
-            <a:endParaRPr sz="9600">
-              <a:solidFill>
-                <a:srgbClr val="FFB000"/>
-              </a:solidFill>
-            </a:endParaRPr>
-          </a:p>
-        </p:txBody>
-      </p:sp>
-      <p:sp>
-        <p:nvSpPr>
-          <p:cNvPr id="366" name="Google Shape;366;p36"/>
-          <p:cNvSpPr txBox="1">
-            <a:spLocks noGrp="1"/>
-          </p:cNvSpPr>
-          <p:nvPr>
-            <p:ph type="subTitle" idx="4294967295"/>
-          </p:nvPr>
-        </p:nvSpPr>
-        <p:spPr>
-          <a:xfrm>
-            <a:off x="1557975" y="1777100"/>
-            <a:ext cx="7192200" cy="1974600"/>
-          </a:xfrm>
-          <a:prstGeom prst="rect">
-            <a:avLst/>
-          </a:prstGeom>
-        </p:spPr>
-        <p:txBody>
-          <a:bodyPr spcFirstLastPara="1" wrap="square" lIns="91425" tIns="91425" rIns="91425" bIns="91425" anchor="t" anchorCtr="0">
-            <a:noAutofit/>
-          </a:bodyPr>
-          <a:lstStyle/>
-          <a:p>
-            <a:pPr marL="0" lvl="0" indent="0" rtl="0">
-              <a:spcBef>
-                <a:spcPts val="600"/>
-              </a:spcBef>
-              <a:spcAft>
-                <a:spcPts val="0"/>
-              </a:spcAft>
-              <a:buNone/>
-            </a:pPr>
-            <a:r>
-              <a:rPr lang="en" b="1"/>
-              <a:t>Any questions?</a:t>
-            </a:r>
-            <a:endParaRPr b="1"/>
-          </a:p>
-          <a:p>
-            <a:pPr marL="0" lvl="0" indent="0">
-              <a:spcBef>
-                <a:spcPts val="600"/>
-              </a:spcBef>
-              <a:spcAft>
-                <a:spcPts val="0"/>
-              </a:spcAft>
-              <a:buClr>
-                <a:schemeClr val="dk1"/>
-              </a:buClr>
-              <a:buSzPts val="1100"/>
-              <a:buFont typeface="Arial"/>
-              <a:buNone/>
-            </a:pPr>
-            <a:r>
-              <a:rPr lang="en"/>
-              <a:t>You can find me at:</a:t>
-            </a:r>
-            <a:endParaRPr/>
-          </a:p>
-          <a:p>
-            <a:pPr marL="457200" lvl="0" indent="-393700" rtl="0">
-              <a:spcBef>
-                <a:spcPts val="600"/>
-              </a:spcBef>
-              <a:spcAft>
-                <a:spcPts val="0"/>
-              </a:spcAft>
-              <a:buSzPts val="2600"/>
-              <a:buChar char="▪"/>
-            </a:pPr>
-            <a:r>
-              <a:rPr lang="en"/>
-              <a:t>@username</a:t>
-            </a:r>
-            <a:endParaRPr/>
-          </a:p>
-          <a:p>
-            <a:pPr marL="457200" lvl="0" indent="-393700" rtl="0">
-              <a:spcBef>
-                <a:spcPts val="0"/>
-              </a:spcBef>
-              <a:spcAft>
-                <a:spcPts val="0"/>
-              </a:spcAft>
-              <a:buSzPts val="2600"/>
-              <a:buChar char="▪"/>
-            </a:pPr>
-            <a:r>
-              <a:rPr lang="en"/>
-              <a:t>user@mail.me</a:t>
-            </a:r>
-            <a:endParaRPr/>
-          </a:p>
-        </p:txBody>
-      </p:sp>
-    </p:spTree>
   </p:cSld>
   <p:clrMapOvr>
     <a:masterClrMapping/>
